--- a/IT007 - Database/Thực hành Lab 4.pptx
+++ b/IT007 - Database/Thực hành Lab 4.pptx
@@ -199,7 +199,7 @@
           <a:p>
             <a:fld id="{263ACD1C-2A3C-4674-B5C6-4201F37CAA11}" type="datetimeFigureOut">
               <a:rPr lang="vi-VN" smtClean="0"/>
-              <a:t>28/10/2021</a:t>
+              <a:t>16/11/2021</a:t>
             </a:fld>
             <a:endParaRPr lang="vi-VN"/>
           </a:p>
@@ -698,9 +698,9 @@
           <a:bodyPr/>
           <a:lstStyle/>
           <a:p>
-            <a:fld id="{D6FD8ED2-2D9F-4C81-BE7D-991A79BF6488}" type="datetimeFigureOut">
+            <a:fld id="{748E51C7-0B3C-48E5-85A9-543313374D6E}" type="datetime1">
               <a:rPr lang="vi-VN" smtClean="0"/>
-              <a:t>28/10/2021</a:t>
+              <a:t>16/11/2021</a:t>
             </a:fld>
             <a:endParaRPr lang="vi-VN"/>
           </a:p>
@@ -896,9 +896,9 @@
           <a:bodyPr/>
           <a:lstStyle/>
           <a:p>
-            <a:fld id="{D6FD8ED2-2D9F-4C81-BE7D-991A79BF6488}" type="datetimeFigureOut">
+            <a:fld id="{13EA8669-F9D4-4E3F-A080-12DC01A8DBA5}" type="datetime1">
               <a:rPr lang="vi-VN" smtClean="0"/>
-              <a:t>28/10/2021</a:t>
+              <a:t>16/11/2021</a:t>
             </a:fld>
             <a:endParaRPr lang="vi-VN"/>
           </a:p>
@@ -1104,9 +1104,9 @@
           <a:bodyPr/>
           <a:lstStyle/>
           <a:p>
-            <a:fld id="{D6FD8ED2-2D9F-4C81-BE7D-991A79BF6488}" type="datetimeFigureOut">
+            <a:fld id="{501F5155-1CAB-4479-8531-9A269AB7BEC4}" type="datetime1">
               <a:rPr lang="vi-VN" smtClean="0"/>
-              <a:t>28/10/2021</a:t>
+              <a:t>16/11/2021</a:t>
             </a:fld>
             <a:endParaRPr lang="vi-VN"/>
           </a:p>
@@ -1302,9 +1302,9 @@
           <a:bodyPr/>
           <a:lstStyle/>
           <a:p>
-            <a:fld id="{D6FD8ED2-2D9F-4C81-BE7D-991A79BF6488}" type="datetimeFigureOut">
+            <a:fld id="{6983D464-E9B5-4A2A-8FAC-80BAD440E69B}" type="datetime1">
               <a:rPr lang="vi-VN" smtClean="0"/>
-              <a:t>28/10/2021</a:t>
+              <a:t>16/11/2021</a:t>
             </a:fld>
             <a:endParaRPr lang="vi-VN"/>
           </a:p>
@@ -1577,9 +1577,9 @@
           <a:bodyPr/>
           <a:lstStyle/>
           <a:p>
-            <a:fld id="{D6FD8ED2-2D9F-4C81-BE7D-991A79BF6488}" type="datetimeFigureOut">
+            <a:fld id="{F5CAEA81-2659-40A2-9CC3-0379609B2AC3}" type="datetime1">
               <a:rPr lang="vi-VN" smtClean="0"/>
-              <a:t>28/10/2021</a:t>
+              <a:t>16/11/2021</a:t>
             </a:fld>
             <a:endParaRPr lang="vi-VN"/>
           </a:p>
@@ -1842,9 +1842,9 @@
           <a:bodyPr/>
           <a:lstStyle/>
           <a:p>
-            <a:fld id="{D6FD8ED2-2D9F-4C81-BE7D-991A79BF6488}" type="datetimeFigureOut">
+            <a:fld id="{D9A3FC5A-E301-4D3A-A1CB-96C78FF79213}" type="datetime1">
               <a:rPr lang="vi-VN" smtClean="0"/>
-              <a:t>28/10/2021</a:t>
+              <a:t>16/11/2021</a:t>
             </a:fld>
             <a:endParaRPr lang="vi-VN"/>
           </a:p>
@@ -2254,9 +2254,9 @@
           <a:bodyPr/>
           <a:lstStyle/>
           <a:p>
-            <a:fld id="{D6FD8ED2-2D9F-4C81-BE7D-991A79BF6488}" type="datetimeFigureOut">
+            <a:fld id="{9AC54389-91C9-4414-83CE-D4129973325A}" type="datetime1">
               <a:rPr lang="vi-VN" smtClean="0"/>
-              <a:t>28/10/2021</a:t>
+              <a:t>16/11/2021</a:t>
             </a:fld>
             <a:endParaRPr lang="vi-VN"/>
           </a:p>
@@ -2395,9 +2395,9 @@
           <a:bodyPr/>
           <a:lstStyle/>
           <a:p>
-            <a:fld id="{D6FD8ED2-2D9F-4C81-BE7D-991A79BF6488}" type="datetimeFigureOut">
+            <a:fld id="{B0853A8A-63D4-4C54-9EBB-4000EDECCD76}" type="datetime1">
               <a:rPr lang="vi-VN" smtClean="0"/>
-              <a:t>28/10/2021</a:t>
+              <a:t>16/11/2021</a:t>
             </a:fld>
             <a:endParaRPr lang="vi-VN"/>
           </a:p>
@@ -2508,9 +2508,9 @@
           <a:bodyPr/>
           <a:lstStyle/>
           <a:p>
-            <a:fld id="{D6FD8ED2-2D9F-4C81-BE7D-991A79BF6488}" type="datetimeFigureOut">
+            <a:fld id="{F424B8FC-C1FA-4794-8B82-5F5B44DF3927}" type="datetime1">
               <a:rPr lang="vi-VN" smtClean="0"/>
-              <a:t>28/10/2021</a:t>
+              <a:t>16/11/2021</a:t>
             </a:fld>
             <a:endParaRPr lang="vi-VN"/>
           </a:p>
@@ -2819,9 +2819,9 @@
           <a:bodyPr/>
           <a:lstStyle/>
           <a:p>
-            <a:fld id="{D6FD8ED2-2D9F-4C81-BE7D-991A79BF6488}" type="datetimeFigureOut">
+            <a:fld id="{40C4B3F8-B7CF-4436-BDC4-56CC731CA282}" type="datetime1">
               <a:rPr lang="vi-VN" smtClean="0"/>
-              <a:t>28/10/2021</a:t>
+              <a:t>16/11/2021</a:t>
             </a:fld>
             <a:endParaRPr lang="vi-VN"/>
           </a:p>
@@ -3107,9 +3107,9 @@
           <a:bodyPr/>
           <a:lstStyle/>
           <a:p>
-            <a:fld id="{D6FD8ED2-2D9F-4C81-BE7D-991A79BF6488}" type="datetimeFigureOut">
+            <a:fld id="{CD4CE083-805B-403F-93FF-B7F21EAC01B1}" type="datetime1">
               <a:rPr lang="vi-VN" smtClean="0"/>
-              <a:t>28/10/2021</a:t>
+              <a:t>16/11/2021</a:t>
             </a:fld>
             <a:endParaRPr lang="vi-VN"/>
           </a:p>
@@ -3348,9 +3348,9 @@
             </a:lvl1pPr>
           </a:lstStyle>
           <a:p>
-            <a:fld id="{D6FD8ED2-2D9F-4C81-BE7D-991A79BF6488}" type="datetimeFigureOut">
+            <a:fld id="{5CBED9A4-ACA4-4BA9-A4F1-697D9076DF08}" type="datetime1">
               <a:rPr lang="vi-VN" smtClean="0"/>
-              <a:t>28/10/2021</a:t>
+              <a:t>16/11/2021</a:t>
             </a:fld>
             <a:endParaRPr lang="vi-VN"/>
           </a:p>
@@ -3467,6 +3467,7 @@
     <p:sldLayoutId id="2147483658" r:id="rId10"/>
     <p:sldLayoutId id="2147483659" r:id="rId11"/>
   </p:sldLayoutIdLst>
+  <p:hf hdr="0" ftr="0" dt="0"/>
   <p:txStyles>
     <p:titleStyle>
       <a:lvl1pPr algn="l" defTabSz="914400" rtl="0" eaLnBrk="1" latinLnBrk="0" hangingPunct="1">
@@ -3860,6 +3861,35 @@
           </a:p>
         </p:txBody>
       </p:sp>
+      <p:sp>
+        <p:nvSpPr>
+          <p:cNvPr id="4" name="Chỗ dành sẵn cho Số hiệu Bản chiếu 3">
+            <a:extLst>
+              <a:ext uri="{FF2B5EF4-FFF2-40B4-BE49-F238E27FC236}">
+                <a16:creationId xmlns:a16="http://schemas.microsoft.com/office/drawing/2014/main" id="{CDE77A23-7504-4144-8629-02DF4B2756F2}"/>
+              </a:ext>
+            </a:extLst>
+          </p:cNvPr>
+          <p:cNvSpPr>
+            <a:spLocks noGrp="1"/>
+          </p:cNvSpPr>
+          <p:nvPr>
+            <p:ph type="sldNum" sz="quarter" idx="12"/>
+          </p:nvPr>
+        </p:nvSpPr>
+        <p:spPr/>
+        <p:txBody>
+          <a:bodyPr/>
+          <a:lstStyle/>
+          <a:p>
+            <a:fld id="{369936ED-89B5-49BF-A03F-054AD1687037}" type="slidenum">
+              <a:rPr lang="vi-VN" smtClean="0"/>
+              <a:t>1</a:t>
+            </a:fld>
+            <a:endParaRPr lang="vi-VN"/>
+          </a:p>
+        </p:txBody>
+      </p:sp>
     </p:spTree>
     <p:extLst>
       <p:ext uri="{BB962C8B-B14F-4D97-AF65-F5344CB8AC3E}">
@@ -4015,6 +4045,35 @@
             <a:endParaRPr lang="en-US">
               <a:latin typeface="Calibri (Thân)"/>
             </a:endParaRPr>
+          </a:p>
+        </p:txBody>
+      </p:sp>
+      <p:sp>
+        <p:nvSpPr>
+          <p:cNvPr id="4" name="Chỗ dành sẵn cho Số hiệu Bản chiếu 3">
+            <a:extLst>
+              <a:ext uri="{FF2B5EF4-FFF2-40B4-BE49-F238E27FC236}">
+                <a16:creationId xmlns:a16="http://schemas.microsoft.com/office/drawing/2014/main" id="{3F6D815B-F63C-46FB-A0BE-9FE27A901494}"/>
+              </a:ext>
+            </a:extLst>
+          </p:cNvPr>
+          <p:cNvSpPr>
+            <a:spLocks noGrp="1"/>
+          </p:cNvSpPr>
+          <p:nvPr>
+            <p:ph type="sldNum" sz="quarter" idx="12"/>
+          </p:nvPr>
+        </p:nvSpPr>
+        <p:spPr/>
+        <p:txBody>
+          <a:bodyPr/>
+          <a:lstStyle/>
+          <a:p>
+            <a:fld id="{369936ED-89B5-49BF-A03F-054AD1687037}" type="slidenum">
+              <a:rPr lang="vi-VN" smtClean="0"/>
+              <a:t>2</a:t>
+            </a:fld>
+            <a:endParaRPr lang="vi-VN"/>
           </a:p>
         </p:txBody>
       </p:sp>
@@ -4144,7 +4203,7 @@
                   <a:rPr lang="vi-VN">
                     <a:latin typeface="Calibri (Thân)"/>
                   </a:rPr>
-                  <a:t>Thời hạn: 13 ngày</a:t>
+                  <a:t>Thời hạn: 7 ngày</a:t>
                 </a:r>
               </a:p>
             </p:txBody>
@@ -4190,6 +4249,35 @@
           </p:sp>
         </mc:Fallback>
       </mc:AlternateContent>
+      <p:sp>
+        <p:nvSpPr>
+          <p:cNvPr id="4" name="Chỗ dành sẵn cho Số hiệu Bản chiếu 3">
+            <a:extLst>
+              <a:ext uri="{FF2B5EF4-FFF2-40B4-BE49-F238E27FC236}">
+                <a16:creationId xmlns:a16="http://schemas.microsoft.com/office/drawing/2014/main" id="{ACC0362D-065E-4B48-BB29-4002FFC08242}"/>
+              </a:ext>
+            </a:extLst>
+          </p:cNvPr>
+          <p:cNvSpPr>
+            <a:spLocks noGrp="1"/>
+          </p:cNvSpPr>
+          <p:nvPr>
+            <p:ph type="sldNum" sz="quarter" idx="12"/>
+          </p:nvPr>
+        </p:nvSpPr>
+        <p:spPr/>
+        <p:txBody>
+          <a:bodyPr/>
+          <a:lstStyle/>
+          <a:p>
+            <a:fld id="{369936ED-89B5-49BF-A03F-054AD1687037}" type="slidenum">
+              <a:rPr lang="vi-VN" smtClean="0"/>
+              <a:t>3</a:t>
+            </a:fld>
+            <a:endParaRPr lang="vi-VN"/>
+          </a:p>
+        </p:txBody>
+      </p:sp>
     </p:spTree>
     <p:extLst>
       <p:ext uri="{BB962C8B-B14F-4D97-AF65-F5344CB8AC3E}">
